--- a/第3章-空间数据读写-8学时/第1节-矢量数据读写.pptx
+++ b/第3章-空间数据读写-8学时/第1节-矢量数据读写.pptx
@@ -6,10 +6,10 @@
     <p:sldMasterId id="2147484986" r:id="rId2"/>
   </p:sldMasterIdLst>
   <p:notesMasterIdLst>
-    <p:notesMasterId r:id="rId17"/>
+    <p:notesMasterId r:id="rId16"/>
   </p:notesMasterIdLst>
   <p:handoutMasterIdLst>
-    <p:handoutMasterId r:id="rId18"/>
+    <p:handoutMasterId r:id="rId17"/>
   </p:handoutMasterIdLst>
   <p:sldIdLst>
     <p:sldId id="2708" r:id="rId3"/>
@@ -23,14 +23,13 @@
     <p:sldId id="2709" r:id="rId11"/>
     <p:sldId id="2762" r:id="rId12"/>
     <p:sldId id="2767" r:id="rId13"/>
-    <p:sldId id="2768" r:id="rId14"/>
-    <p:sldId id="2769" r:id="rId15"/>
-    <p:sldId id="2760" r:id="rId16"/>
+    <p:sldId id="2769" r:id="rId14"/>
+    <p:sldId id="2760" r:id="rId15"/>
   </p:sldIdLst>
   <p:sldSz cx="9144000" cy="6858000" type="screen4x3"/>
   <p:notesSz cx="7099300" cy="10234613"/>
   <p:custDataLst>
-    <p:tags r:id="rId19"/>
+    <p:tags r:id="rId18"/>
   </p:custDataLst>
   <p:defaultTextStyle>
     <a:defPPr>
@@ -5649,7 +5648,7 @@
   <pc:docChgLst>
     <pc:chgData name="Xin Luo" userId="82312ee5779919a4" providerId="LiveId" clId="{187D5BF7-97E8-7843-9DA0-39A524779207}"/>
     <pc:docChg chg="undo custSel addSld delSld modSld">
-      <pc:chgData name="Xin Luo" userId="82312ee5779919a4" providerId="LiveId" clId="{187D5BF7-97E8-7843-9DA0-39A524779207}" dt="2024-04-21T14:16:02.937" v="3023"/>
+      <pc:chgData name="Xin Luo" userId="82312ee5779919a4" providerId="LiveId" clId="{187D5BF7-97E8-7843-9DA0-39A524779207}" dt="2024-05-01T07:15:04.651" v="3024" actId="2696"/>
       <pc:docMkLst>
         <pc:docMk/>
       </pc:docMkLst>
@@ -6331,8 +6330,8 @@
           </ac:picMkLst>
         </pc:picChg>
       </pc:sldChg>
-      <pc:sldChg chg="delSp modSp add mod">
-        <pc:chgData name="Xin Luo" userId="82312ee5779919a4" providerId="LiveId" clId="{187D5BF7-97E8-7843-9DA0-39A524779207}" dt="2024-04-21T14:15:50.854" v="3019" actId="20577"/>
+      <pc:sldChg chg="delSp modSp add del mod">
+        <pc:chgData name="Xin Luo" userId="82312ee5779919a4" providerId="LiveId" clId="{187D5BF7-97E8-7843-9DA0-39A524779207}" dt="2024-05-01T07:15:04.651" v="3024" actId="2696"/>
         <pc:sldMkLst>
           <pc:docMk/>
           <pc:sldMk cId="1433751529" sldId="2768"/>
@@ -7827,7 +7826,7 @@
               </a14:hiddenFill>
             </a:ext>
             <a:ext uri="{FAA26D3D-D897-4be2-8F04-BA451C77F1D7}">
-              <ma14:placeholderFlag xmlns="" xmlns:ma14="http://schemas.microsoft.com/office/mac/drawingml/2011/main" val="1"/>
+              <ma14:placeholderFlag xmlns:ma14="http://schemas.microsoft.com/office/mac/drawingml/2011/main" xmlns="" val="1"/>
             </a:ext>
           </a:extLst>
         </p:spPr>
@@ -8211,7 +8210,7 @@
               </a14:hiddenLine>
             </a:ext>
             <a:ext uri="{FAA26D3D-D897-4be2-8F04-BA451C77F1D7}">
-              <ma14:placeholderFlag xmlns="" xmlns:ma14="http://schemas.microsoft.com/office/mac/drawingml/2011/main" val="1"/>
+              <ma14:placeholderFlag xmlns:ma14="http://schemas.microsoft.com/office/mac/drawingml/2011/main" xmlns="" val="1"/>
             </a:ext>
           </a:extLst>
         </p:spPr>
@@ -8434,7 +8433,7 @@
     </p:spTree>
     <p:extLst>
       <p:ext uri="{BB962C8B-B14F-4D97-AF65-F5344CB8AC3E}">
-        <p14:creationId xmlns:p14="http://schemas.microsoft.com/office/powerpoint/2010/main" val="739527689"/>
+        <p14:creationId xmlns:p14="http://schemas.microsoft.com/office/powerpoint/2010/main" val="2063444556"/>
       </p:ext>
     </p:extLst>
   </p:cSld>
@@ -8445,67 +8444,6 @@
 </file>
 
 <file path=ppt/notesSlides/notesSlide13.xml><?xml version="1.0" encoding="utf-8"?>
-<p:notes xmlns:a="http://schemas.openxmlformats.org/drawingml/2006/main" xmlns:r="http://schemas.openxmlformats.org/officeDocument/2006/relationships" xmlns:p="http://schemas.openxmlformats.org/presentationml/2006/main">
-  <p:cSld>
-    <p:spTree>
-      <p:nvGrpSpPr>
-        <p:cNvPr id="1" name=""/>
-        <p:cNvGrpSpPr/>
-        <p:nvPr/>
-      </p:nvGrpSpPr>
-      <p:grpSpPr>
-        <a:xfrm>
-          <a:off x="0" y="0"/>
-          <a:ext cx="0" cy="0"/>
-          <a:chOff x="0" y="0"/>
-          <a:chExt cx="0" cy="0"/>
-        </a:xfrm>
-      </p:grpSpPr>
-      <p:sp>
-        <p:nvSpPr>
-          <p:cNvPr id="2" name="幻灯片图像占位符 1"/>
-          <p:cNvSpPr>
-            <a:spLocks noGrp="1" noRot="1" noChangeAspect="1"/>
-          </p:cNvSpPr>
-          <p:nvPr>
-            <p:ph type="sldImg"/>
-          </p:nvPr>
-        </p:nvSpPr>
-        <p:spPr/>
-      </p:sp>
-      <p:sp>
-        <p:nvSpPr>
-          <p:cNvPr id="3" name="备注占位符 2"/>
-          <p:cNvSpPr>
-            <a:spLocks noGrp="1"/>
-          </p:cNvSpPr>
-          <p:nvPr>
-            <p:ph type="body" idx="1"/>
-          </p:nvPr>
-        </p:nvSpPr>
-        <p:spPr/>
-        <p:txBody>
-          <a:bodyPr/>
-          <a:lstStyle/>
-          <a:p>
-            <a:endParaRPr lang="zh-CN" altLang="en-US"/>
-          </a:p>
-        </p:txBody>
-      </p:sp>
-    </p:spTree>
-    <p:extLst>
-      <p:ext uri="{BB962C8B-B14F-4D97-AF65-F5344CB8AC3E}">
-        <p14:creationId xmlns:p14="http://schemas.microsoft.com/office/powerpoint/2010/main" val="2063444556"/>
-      </p:ext>
-    </p:extLst>
-  </p:cSld>
-  <p:clrMapOvr>
-    <a:masterClrMapping/>
-  </p:clrMapOvr>
-</p:notes>
-</file>
-
-<file path=ppt/notesSlides/notesSlide14.xml><?xml version="1.0" encoding="utf-8"?>
 <p:notes xmlns:a="http://schemas.openxmlformats.org/drawingml/2006/main" xmlns:r="http://schemas.openxmlformats.org/officeDocument/2006/relationships" xmlns:p="http://schemas.openxmlformats.org/presentationml/2006/main">
   <p:cSld>
     <p:spTree>
@@ -10900,7 +10838,7 @@
               </a14:hiddenLine>
             </a:ext>
             <a:ext uri="{FAA26D3D-D897-4be2-8F04-BA451C77F1D7}">
-              <ma14:placeholderFlag xmlns="" xmlns:ma14="http://schemas.microsoft.com/office/mac/drawingml/2011/main" val="1"/>
+              <ma14:placeholderFlag xmlns:ma14="http://schemas.microsoft.com/office/mac/drawingml/2011/main" xmlns="" val="1"/>
             </a:ext>
           </a:extLst>
         </p:spPr>
@@ -14591,7 +14529,7 @@
               </a14:hiddenLine>
             </a:ext>
             <a:ext uri="{FAA26D3D-D897-4be2-8F04-BA451C77F1D7}">
-              <ma14:placeholderFlag xmlns="" xmlns:ma14="http://schemas.microsoft.com/office/mac/drawingml/2011/main" val="1"/>
+              <ma14:placeholderFlag xmlns:ma14="http://schemas.microsoft.com/office/mac/drawingml/2011/main" xmlns="" val="1"/>
             </a:ext>
           </a:extLst>
         </p:spPr>
@@ -17643,427 +17581,6 @@
               <a:t>、</a:t>
             </a:r>
             <a:r>
-              <a:rPr lang="en-US" altLang="zh-CN" sz="2800" b="1" dirty="0">
-                <a:solidFill>
-                  <a:srgbClr val="333333"/>
-                </a:solidFill>
-                <a:latin typeface="+mn-ea"/>
-                <a:ea typeface="+mn-ea"/>
-              </a:rPr>
-              <a:t>Shapely</a:t>
-            </a:r>
-            <a:r>
-              <a:rPr lang="zh-CN" altLang="en-US" sz="2800" b="1" dirty="0">
-                <a:solidFill>
-                  <a:srgbClr val="333333"/>
-                </a:solidFill>
-                <a:latin typeface="+mn-ea"/>
-                <a:ea typeface="+mn-ea"/>
-              </a:rPr>
-              <a:t>开源库</a:t>
-            </a:r>
-            <a:endParaRPr lang="en-US" altLang="zh-CN" sz="2800" b="1" dirty="0">
-              <a:solidFill>
-                <a:srgbClr val="333333"/>
-              </a:solidFill>
-              <a:latin typeface="+mn-ea"/>
-              <a:ea typeface="+mn-ea"/>
-            </a:endParaRPr>
-          </a:p>
-        </p:txBody>
-      </p:sp>
-      <p:sp>
-        <p:nvSpPr>
-          <p:cNvPr id="6" name="TextBox 5">
-            <a:extLst>
-              <a:ext uri="{FF2B5EF4-FFF2-40B4-BE49-F238E27FC236}">
-                <a16:creationId xmlns:a16="http://schemas.microsoft.com/office/drawing/2014/main" id="{6741FEA2-C046-FD82-2800-2CB513792080}"/>
-              </a:ext>
-            </a:extLst>
-          </p:cNvPr>
-          <p:cNvSpPr txBox="1"/>
-          <p:nvPr/>
-        </p:nvSpPr>
-        <p:spPr>
-          <a:xfrm>
-            <a:off x="317664" y="1479872"/>
-            <a:ext cx="8508670" cy="5013039"/>
-          </a:xfrm>
-          <a:prstGeom prst="rect">
-            <a:avLst/>
-          </a:prstGeom>
-          <a:noFill/>
-        </p:spPr>
-        <p:txBody>
-          <a:bodyPr wrap="square">
-            <a:spAutoFit/>
-          </a:bodyPr>
-          <a:lstStyle/>
-          <a:p>
-            <a:pPr algn="l">
-              <a:lnSpc>
-                <a:spcPct val="150000"/>
-              </a:lnSpc>
-            </a:pPr>
-            <a:r>
-              <a:rPr lang="en-US" altLang="zh-CN" dirty="0">
-                <a:solidFill>
-                  <a:schemeClr val="bg2"/>
-                </a:solidFill>
-                <a:latin typeface="+mn-ea"/>
-                <a:ea typeface="+mn-ea"/>
-              </a:rPr>
-              <a:t>shapely</a:t>
-            </a:r>
-            <a:r>
-              <a:rPr lang="zh-CN" altLang="en-US" dirty="0">
-                <a:solidFill>
-                  <a:schemeClr val="bg2"/>
-                </a:solidFill>
-                <a:latin typeface="+mn-ea"/>
-                <a:ea typeface="+mn-ea"/>
-              </a:rPr>
-              <a:t>是</a:t>
-            </a:r>
-            <a:r>
-              <a:rPr lang="en-US" altLang="zh-CN" dirty="0">
-                <a:solidFill>
-                  <a:schemeClr val="bg2"/>
-                </a:solidFill>
-                <a:latin typeface="+mn-ea"/>
-                <a:ea typeface="+mn-ea"/>
-              </a:rPr>
-              <a:t>python</a:t>
-            </a:r>
-            <a:r>
-              <a:rPr lang="zh-CN" altLang="en-US" dirty="0">
-                <a:solidFill>
-                  <a:schemeClr val="bg2"/>
-                </a:solidFill>
-                <a:latin typeface="+mn-ea"/>
-                <a:ea typeface="+mn-ea"/>
-              </a:rPr>
-              <a:t>中开源的空间几何对象库，支持点（</a:t>
-            </a:r>
-            <a:r>
-              <a:rPr lang="en-US" altLang="zh-CN" dirty="0">
-                <a:solidFill>
-                  <a:schemeClr val="bg2"/>
-                </a:solidFill>
-                <a:latin typeface="+mn-ea"/>
-                <a:ea typeface="+mn-ea"/>
-              </a:rPr>
-              <a:t>Point</a:t>
-            </a:r>
-            <a:r>
-              <a:rPr lang="zh-CN" altLang="en-US" dirty="0">
-                <a:solidFill>
-                  <a:schemeClr val="bg2"/>
-                </a:solidFill>
-                <a:latin typeface="+mn-ea"/>
-                <a:ea typeface="+mn-ea"/>
-              </a:rPr>
-              <a:t>）、线（</a:t>
-            </a:r>
-            <a:r>
-              <a:rPr lang="en-US" altLang="zh-CN" dirty="0" err="1">
-                <a:solidFill>
-                  <a:schemeClr val="bg2"/>
-                </a:solidFill>
-                <a:latin typeface="+mn-ea"/>
-                <a:ea typeface="+mn-ea"/>
-              </a:rPr>
-              <a:t>LineString</a:t>
-            </a:r>
-            <a:r>
-              <a:rPr lang="zh-CN" altLang="en-US" dirty="0">
-                <a:solidFill>
-                  <a:schemeClr val="bg2"/>
-                </a:solidFill>
-                <a:latin typeface="+mn-ea"/>
-                <a:ea typeface="+mn-ea"/>
-              </a:rPr>
-              <a:t>）、面（</a:t>
-            </a:r>
-            <a:r>
-              <a:rPr lang="en-US" altLang="zh-CN" dirty="0">
-                <a:solidFill>
-                  <a:schemeClr val="bg2"/>
-                </a:solidFill>
-                <a:latin typeface="+mn-ea"/>
-                <a:ea typeface="+mn-ea"/>
-              </a:rPr>
-              <a:t>Polygon</a:t>
-            </a:r>
-            <a:r>
-              <a:rPr lang="zh-CN" altLang="en-US" dirty="0">
-                <a:solidFill>
-                  <a:schemeClr val="bg2"/>
-                </a:solidFill>
-                <a:latin typeface="+mn-ea"/>
-                <a:ea typeface="+mn-ea"/>
-              </a:rPr>
-              <a:t>）等几何对象及相关空间操作。主要功能包括：</a:t>
-            </a:r>
-            <a:endParaRPr lang="en-US" altLang="zh-CN" dirty="0">
-              <a:solidFill>
-                <a:schemeClr val="bg2"/>
-              </a:solidFill>
-              <a:latin typeface="+mn-ea"/>
-              <a:ea typeface="+mn-ea"/>
-            </a:endParaRPr>
-          </a:p>
-          <a:p>
-            <a:pPr algn="l">
-              <a:lnSpc>
-                <a:spcPct val="150000"/>
-              </a:lnSpc>
-            </a:pPr>
-            <a:r>
-              <a:rPr lang="zh-CN" altLang="en-US" dirty="0">
-                <a:solidFill>
-                  <a:schemeClr val="bg2"/>
-                </a:solidFill>
-                <a:latin typeface="+mn-ea"/>
-                <a:ea typeface="+mn-ea"/>
-              </a:rPr>
-              <a:t>（</a:t>
-            </a:r>
-            <a:r>
-              <a:rPr lang="en-US" altLang="zh-CN" dirty="0">
-                <a:solidFill>
-                  <a:schemeClr val="bg2"/>
-                </a:solidFill>
-                <a:latin typeface="+mn-ea"/>
-                <a:ea typeface="+mn-ea"/>
-              </a:rPr>
-              <a:t>1</a:t>
-            </a:r>
-            <a:r>
-              <a:rPr lang="zh-CN" altLang="en-US" dirty="0">
-                <a:solidFill>
-                  <a:schemeClr val="bg2"/>
-                </a:solidFill>
-                <a:latin typeface="+mn-ea"/>
-                <a:ea typeface="+mn-ea"/>
-              </a:rPr>
-              <a:t>）几何属性计算：几何对象面积、周长、质心、距离等</a:t>
-            </a:r>
-            <a:endParaRPr lang="en-US" altLang="zh-CN" dirty="0">
-              <a:solidFill>
-                <a:schemeClr val="bg2"/>
-              </a:solidFill>
-              <a:latin typeface="+mn-ea"/>
-              <a:ea typeface="+mn-ea"/>
-            </a:endParaRPr>
-          </a:p>
-          <a:p>
-            <a:pPr algn="l">
-              <a:lnSpc>
-                <a:spcPct val="150000"/>
-              </a:lnSpc>
-            </a:pPr>
-            <a:r>
-              <a:rPr lang="zh-CN" altLang="en-US" dirty="0">
-                <a:solidFill>
-                  <a:schemeClr val="bg2"/>
-                </a:solidFill>
-                <a:latin typeface="+mn-ea"/>
-                <a:ea typeface="+mn-ea"/>
-              </a:rPr>
-              <a:t>（</a:t>
-            </a:r>
-            <a:r>
-              <a:rPr lang="en-US" altLang="zh-CN" dirty="0">
-                <a:solidFill>
-                  <a:schemeClr val="bg2"/>
-                </a:solidFill>
-                <a:latin typeface="+mn-ea"/>
-                <a:ea typeface="+mn-ea"/>
-              </a:rPr>
-              <a:t>2</a:t>
-            </a:r>
-            <a:r>
-              <a:rPr lang="zh-CN" altLang="en-US" dirty="0">
-                <a:solidFill>
-                  <a:schemeClr val="bg2"/>
-                </a:solidFill>
-                <a:latin typeface="+mn-ea"/>
-                <a:ea typeface="+mn-ea"/>
-              </a:rPr>
-              <a:t>）空间关系计算：几何对象相等、相交、交叉、包含、重叠等。</a:t>
-            </a:r>
-            <a:endParaRPr lang="en-US" altLang="zh-CN" dirty="0">
-              <a:solidFill>
-                <a:schemeClr val="bg2"/>
-              </a:solidFill>
-              <a:latin typeface="+mn-ea"/>
-              <a:ea typeface="+mn-ea"/>
-            </a:endParaRPr>
-          </a:p>
-          <a:p>
-            <a:pPr algn="l">
-              <a:lnSpc>
-                <a:spcPct val="150000"/>
-              </a:lnSpc>
-            </a:pPr>
-            <a:r>
-              <a:rPr lang="zh-CN" altLang="en-US" dirty="0">
-                <a:solidFill>
-                  <a:schemeClr val="bg2"/>
-                </a:solidFill>
-                <a:latin typeface="+mn-ea"/>
-                <a:ea typeface="+mn-ea"/>
-              </a:rPr>
-              <a:t>（</a:t>
-            </a:r>
-            <a:r>
-              <a:rPr lang="en-US" altLang="zh-CN" dirty="0">
-                <a:solidFill>
-                  <a:schemeClr val="bg2"/>
-                </a:solidFill>
-                <a:latin typeface="+mn-ea"/>
-                <a:ea typeface="+mn-ea"/>
-              </a:rPr>
-              <a:t>3</a:t>
-            </a:r>
-            <a:r>
-              <a:rPr lang="zh-CN" altLang="en-US" dirty="0">
-                <a:solidFill>
-                  <a:schemeClr val="bg2"/>
-                </a:solidFill>
-                <a:latin typeface="+mn-ea"/>
-                <a:ea typeface="+mn-ea"/>
-              </a:rPr>
-              <a:t>）空间叠加分析：几何对象缓冲区分析、交叉分析、联合分析、差异分析等。</a:t>
-            </a:r>
-            <a:endParaRPr lang="en-US" altLang="zh-CN" dirty="0">
-              <a:solidFill>
-                <a:schemeClr val="bg2"/>
-              </a:solidFill>
-              <a:latin typeface="+mn-ea"/>
-              <a:ea typeface="+mn-ea"/>
-            </a:endParaRPr>
-          </a:p>
-        </p:txBody>
-      </p:sp>
-    </p:spTree>
-    <p:extLst>
-      <p:ext uri="{BB962C8B-B14F-4D97-AF65-F5344CB8AC3E}">
-        <p14:creationId xmlns:p14="http://schemas.microsoft.com/office/powerpoint/2010/main" val="1433751529"/>
-      </p:ext>
-    </p:extLst>
-  </p:cSld>
-  <p:clrMapOvr>
-    <a:masterClrMapping/>
-  </p:clrMapOvr>
-  <p:transition>
-    <p:fade/>
-  </p:transition>
-</p:sld>
-</file>
-
-<file path=ppt/slides/slide13.xml><?xml version="1.0" encoding="utf-8"?>
-<p:sld xmlns:a="http://schemas.openxmlformats.org/drawingml/2006/main" xmlns:r="http://schemas.openxmlformats.org/officeDocument/2006/relationships" xmlns:p="http://schemas.openxmlformats.org/presentationml/2006/main">
-  <p:cSld>
-    <p:spTree>
-      <p:nvGrpSpPr>
-        <p:cNvPr id="1" name=""/>
-        <p:cNvGrpSpPr/>
-        <p:nvPr/>
-      </p:nvGrpSpPr>
-      <p:grpSpPr>
-        <a:xfrm>
-          <a:off x="0" y="0"/>
-          <a:ext cx="0" cy="0"/>
-          <a:chOff x="0" y="0"/>
-          <a:chExt cx="0" cy="0"/>
-        </a:xfrm>
-      </p:grpSpPr>
-      <p:sp>
-        <p:nvSpPr>
-          <p:cNvPr id="3" name="标题 2"/>
-          <p:cNvSpPr>
-            <a:spLocks noGrp="1"/>
-          </p:cNvSpPr>
-          <p:nvPr>
-            <p:ph type="title"/>
-          </p:nvPr>
-        </p:nvSpPr>
-        <p:spPr>
-          <a:xfrm>
-            <a:off x="0" y="8526"/>
-            <a:ext cx="9013371" cy="792162"/>
-          </a:xfrm>
-        </p:spPr>
-        <p:txBody>
-          <a:bodyPr/>
-          <a:lstStyle/>
-          <a:p>
-            <a:r>
-              <a:rPr lang="zh-CN" altLang="en-US" dirty="0">
-                <a:latin typeface="微软雅黑" pitchFamily="34" charset="-122"/>
-                <a:ea typeface="微软雅黑" pitchFamily="34" charset="-122"/>
-              </a:rPr>
-              <a:t>二、矢量数据编辑</a:t>
-            </a:r>
-          </a:p>
-        </p:txBody>
-      </p:sp>
-      <p:sp>
-        <p:nvSpPr>
-          <p:cNvPr id="2" name="TextBox 1">
-            <a:extLst>
-              <a:ext uri="{FF2B5EF4-FFF2-40B4-BE49-F238E27FC236}">
-                <a16:creationId xmlns:a16="http://schemas.microsoft.com/office/drawing/2014/main" id="{631AADB6-C88A-D817-4683-FC087E4E240F}"/>
-              </a:ext>
-            </a:extLst>
-          </p:cNvPr>
-          <p:cNvSpPr txBox="1"/>
-          <p:nvPr/>
-        </p:nvSpPr>
-        <p:spPr>
-          <a:xfrm>
-            <a:off x="317665" y="846748"/>
-            <a:ext cx="8508670" cy="662489"/>
-          </a:xfrm>
-          <a:prstGeom prst="rect">
-            <a:avLst/>
-          </a:prstGeom>
-          <a:noFill/>
-        </p:spPr>
-        <p:txBody>
-          <a:bodyPr wrap="square" rtlCol="0">
-            <a:spAutoFit/>
-          </a:bodyPr>
-          <a:lstStyle/>
-          <a:p>
-            <a:pPr algn="just">
-              <a:lnSpc>
-                <a:spcPct val="150000"/>
-              </a:lnSpc>
-            </a:pPr>
-            <a:r>
-              <a:rPr lang="en-US" altLang="zh-CN" sz="2800" b="1" dirty="0">
-                <a:solidFill>
-                  <a:srgbClr val="333333"/>
-                </a:solidFill>
-                <a:latin typeface="+mn-ea"/>
-                <a:ea typeface="+mn-ea"/>
-              </a:rPr>
-              <a:t>1</a:t>
-            </a:r>
-            <a:r>
-              <a:rPr lang="zh-CN" altLang="en-US" sz="2800" b="1" dirty="0">
-                <a:solidFill>
-                  <a:srgbClr val="333333"/>
-                </a:solidFill>
-                <a:latin typeface="+mn-ea"/>
-                <a:ea typeface="+mn-ea"/>
-              </a:rPr>
-              <a:t>、</a:t>
-            </a:r>
-            <a:r>
               <a:rPr lang="en-US" altLang="zh-CN" sz="2800" b="1" dirty="0" err="1">
                 <a:solidFill>
                   <a:srgbClr val="333333"/>
@@ -18414,7 +17931,7 @@
 </p:sld>
 </file>
 
-<file path=ppt/slides/slide14.xml><?xml version="1.0" encoding="utf-8"?>
+<file path=ppt/slides/slide13.xml><?xml version="1.0" encoding="utf-8"?>
 <p:sld xmlns:a="http://schemas.openxmlformats.org/drawingml/2006/main" xmlns:r="http://schemas.openxmlformats.org/officeDocument/2006/relationships" xmlns:p="http://schemas.openxmlformats.org/presentationml/2006/main">
   <p:cSld>
     <p:spTree>
